--- a/Cursos/Curso DataAnalytics Vanzolini/TCC/Aula TCC - Descrição do Trabalho_GRUPO 02.pptx
+++ b/Cursos/Curso DataAnalytics Vanzolini/TCC/Aula TCC - Descrição do Trabalho_GRUPO 02.pptx
@@ -21,37 +21,37 @@
   <p:notesSz cx="6858000" cy="9144000"/>
   <p:embeddedFontLst>
     <p:embeddedFont>
-      <p:font typeface="Titillium Web" panose="020B0604020202020204" charset="0"/>
+      <p:font typeface="Advent Pro SemiBold" panose="020B0604020202020204" charset="0"/>
       <p:regular r:id="rId11"/>
       <p:bold r:id="rId12"/>
       <p:italic r:id="rId13"/>
       <p:boldItalic r:id="rId14"/>
     </p:embeddedFont>
     <p:embeddedFont>
-      <p:font typeface="Fira Sans Extra Condensed Medium" panose="020B0604020202020204" charset="0"/>
+      <p:font typeface="Calibri" panose="020F0502020204030204" pitchFamily="34" charset="0"/>
       <p:regular r:id="rId15"/>
       <p:bold r:id="rId16"/>
       <p:italic r:id="rId17"/>
       <p:boldItalic r:id="rId18"/>
     </p:embeddedFont>
     <p:embeddedFont>
-      <p:font typeface="Calibri" panose="020F0502020204030204" pitchFamily="34" charset="0"/>
+      <p:font typeface="Fira Sans Extra Condensed Medium" panose="020B0604020202020204" charset="0"/>
       <p:regular r:id="rId19"/>
       <p:bold r:id="rId20"/>
       <p:italic r:id="rId21"/>
       <p:boldItalic r:id="rId22"/>
     </p:embeddedFont>
     <p:embeddedFont>
-      <p:font typeface="Share Tech" panose="020B0604020202020204" charset="0"/>
+      <p:font typeface="Maven Pro" panose="020B0604020202020204" charset="0"/>
       <p:regular r:id="rId23"/>
+      <p:bold r:id="rId24"/>
     </p:embeddedFont>
     <p:embeddedFont>
-      <p:font typeface="Maven Pro" panose="020B0604020202020204" charset="0"/>
-      <p:regular r:id="rId24"/>
-      <p:bold r:id="rId25"/>
+      <p:font typeface="Share Tech" panose="020B0604020202020204" charset="0"/>
+      <p:regular r:id="rId25"/>
     </p:embeddedFont>
     <p:embeddedFont>
-      <p:font typeface="Advent Pro SemiBold" panose="020B0604020202020204" charset="0"/>
+      <p:font typeface="Titillium Web" panose="020B0604020202020204" charset="0"/>
       <p:regular r:id="rId26"/>
       <p:bold r:id="rId27"/>
       <p:italic r:id="rId28"/>
@@ -292,7 +292,7 @@
       <p15:sldGuideLst xmlns:p15="http://schemas.microsoft.com/office/powerpoint/2012/main"/>
     </p:ext>
     <p:ext uri="http://customooxmlschemas.google.com/">
-      <go:slidesCustomData xmlns:go="http://customooxmlschemas.google.com/" xmlns:ahyp="http://schemas.microsoft.com/office/drawing/2018/hyperlinkcolor" xmlns:p15="http://schemas.microsoft.com/office/powerpoint/2012/main" xmlns:p14="http://schemas.microsoft.com/office/powerpoint/2010/main" xmlns:com="http://schemas.openxmlformats.org/drawingml/2006/compatibility" xmlns:pvml="urn:schemas-microsoft-com:office:powerpoint" xmlns:v="urn:schemas-microsoft-com:vml" xmlns:o="urn:schemas-microsoft-com:office:office" xmlns:dgm="http://schemas.openxmlformats.org/drawingml/2006/diagram" xmlns:c="http://schemas.openxmlformats.org/drawingml/2006/chart" xmlns:mv="urn:schemas-microsoft-com:mac:vml" xmlns:mc="http://schemas.openxmlformats.org/markup-compatibility/2006" xmlns="" r:id="rId60" roundtripDataSignature="AMtx7miD5qhCOFFgWEVLV7qV/A1Aj7fqzQ=="/>
+      <go:slidesCustomData xmlns="" xmlns:mc="http://schemas.openxmlformats.org/markup-compatibility/2006" xmlns:mv="urn:schemas-microsoft-com:mac:vml" xmlns:c="http://schemas.openxmlformats.org/drawingml/2006/chart" xmlns:dgm="http://schemas.openxmlformats.org/drawingml/2006/diagram" xmlns:o="urn:schemas-microsoft-com:office:office" xmlns:v="urn:schemas-microsoft-com:vml" xmlns:pvml="urn:schemas-microsoft-com:office:powerpoint" xmlns:com="http://schemas.openxmlformats.org/drawingml/2006/compatibility" xmlns:p14="http://schemas.microsoft.com/office/powerpoint/2010/main" xmlns:p15="http://schemas.microsoft.com/office/powerpoint/2012/main" xmlns:ahyp="http://schemas.microsoft.com/office/drawing/2018/hyperlinkcolor" xmlns:go="http://customooxmlschemas.google.com/" r:id="rId60" roundtripDataSignature="AMtx7miD5qhCOFFgWEVLV7qV/A1Aj7fqzQ=="/>
     </p:ext>
   </p:extLst>
 </p:presentation>
@@ -13308,7 +13308,7 @@
           <p:nvPr>
             <p:extLst>
               <p:ext uri="{D42A27DB-BD31-4B8C-83A1-F6EECF244321}">
-                <p14:modId xmlns:p14="http://schemas.microsoft.com/office/powerpoint/2010/main" val="1204826459"/>
+                <p14:modId xmlns:p14="http://schemas.microsoft.com/office/powerpoint/2010/main" val="1711353167"/>
               </p:ext>
             </p:extLst>
           </p:nvPr>
@@ -13739,7 +13739,21 @@
                           <a:ea typeface="Calibri" panose="020F0502020204030204" pitchFamily="34" charset="0"/>
                           <a:cs typeface="Calibri" panose="020F0502020204030204" pitchFamily="34" charset="0"/>
                         </a:rPr>
-                        <a:t>Regiões Metropolitanas</a:t>
+                        <a:t>Regiões </a:t>
+                      </a:r>
+                      <a:r>
+                        <a:rPr lang="pt-BR" dirty="0" smtClean="0">
+                          <a:solidFill>
+                            <a:schemeClr val="bg2">
+                              <a:lumMod val="90000"/>
+                              <a:lumOff val="10000"/>
+                            </a:schemeClr>
+                          </a:solidFill>
+                          <a:latin typeface="Calibri" panose="020F0502020204030204" pitchFamily="34" charset="0"/>
+                          <a:ea typeface="Calibri" panose="020F0502020204030204" pitchFamily="34" charset="0"/>
+                          <a:cs typeface="Calibri" panose="020F0502020204030204" pitchFamily="34" charset="0"/>
+                        </a:rPr>
+                        <a:t>Sudeste</a:t>
                       </a:r>
                       <a:r>
                         <a:rPr lang="pt-BR" baseline="0" dirty="0" smtClean="0">
@@ -13753,7 +13767,21 @@
                           <a:ea typeface="Calibri" panose="020F0502020204030204" pitchFamily="34" charset="0"/>
                           <a:cs typeface="Calibri" panose="020F0502020204030204" pitchFamily="34" charset="0"/>
                         </a:rPr>
-                        <a:t> levam mais tempo no deslocamento casa-trabalho que as demais.</a:t>
+                        <a:t> </a:t>
+                      </a:r>
+                      <a:r>
+                        <a:rPr lang="pt-BR" baseline="0" dirty="0" smtClean="0">
+                          <a:solidFill>
+                            <a:schemeClr val="bg2">
+                              <a:lumMod val="90000"/>
+                              <a:lumOff val="10000"/>
+                            </a:schemeClr>
+                          </a:solidFill>
+                          <a:latin typeface="Calibri" panose="020F0502020204030204" pitchFamily="34" charset="0"/>
+                          <a:ea typeface="Calibri" panose="020F0502020204030204" pitchFamily="34" charset="0"/>
+                          <a:cs typeface="Calibri" panose="020F0502020204030204" pitchFamily="34" charset="0"/>
+                        </a:rPr>
+                        <a:t>levam mais tempo no deslocamento casa-trabalho que as demais.</a:t>
                       </a:r>
                       <a:endParaRPr lang="pt-BR" dirty="0">
                         <a:solidFill>
@@ -13868,63 +13896,7 @@
                           <a:ea typeface="Calibri" panose="020F0502020204030204" pitchFamily="34" charset="0"/>
                           <a:cs typeface="Calibri" panose="020F0502020204030204" pitchFamily="34" charset="0"/>
                         </a:rPr>
-                        <a:t> uma base pública do IBGE sem </a:t>
-                      </a:r>
-                      <a:r>
-                        <a:rPr lang="pt-BR" baseline="0" smtClean="0">
-                          <a:solidFill>
-                            <a:schemeClr val="bg2">
-                              <a:lumMod val="90000"/>
-                              <a:lumOff val="10000"/>
-                            </a:schemeClr>
-                          </a:solidFill>
-                          <a:latin typeface="Calibri" panose="020F0502020204030204" pitchFamily="34" charset="0"/>
-                          <a:ea typeface="Calibri" panose="020F0502020204030204" pitchFamily="34" charset="0"/>
-                          <a:cs typeface="Calibri" panose="020F0502020204030204" pitchFamily="34" charset="0"/>
-                        </a:rPr>
-                        <a:t>dados sensíveis, </a:t>
-                      </a:r>
-                      <a:r>
-                        <a:rPr lang="pt-BR" baseline="0" dirty="0" smtClean="0">
-                          <a:solidFill>
-                            <a:schemeClr val="bg2">
-                              <a:lumMod val="90000"/>
-                              <a:lumOff val="10000"/>
-                            </a:schemeClr>
-                          </a:solidFill>
-                          <a:latin typeface="Calibri" panose="020F0502020204030204" pitchFamily="34" charset="0"/>
-                          <a:ea typeface="Calibri" panose="020F0502020204030204" pitchFamily="34" charset="0"/>
-                          <a:cs typeface="Calibri" panose="020F0502020204030204" pitchFamily="34" charset="0"/>
-                        </a:rPr>
-                        <a:t>a</a:t>
-                      </a:r>
-                      <a:r>
-                        <a:rPr lang="pt-BR" baseline="0" smtClean="0">
-                          <a:solidFill>
-                            <a:schemeClr val="bg2">
-                              <a:lumMod val="90000"/>
-                              <a:lumOff val="10000"/>
-                            </a:schemeClr>
-                          </a:solidFill>
-                          <a:latin typeface="Calibri" panose="020F0502020204030204" pitchFamily="34" charset="0"/>
-                          <a:ea typeface="Calibri" panose="020F0502020204030204" pitchFamily="34" charset="0"/>
-                          <a:cs typeface="Calibri" panose="020F0502020204030204" pitchFamily="34" charset="0"/>
-                        </a:rPr>
-                        <a:t> </a:t>
-                      </a:r>
-                      <a:r>
-                        <a:rPr lang="pt-BR" baseline="0" dirty="0" smtClean="0">
-                          <a:solidFill>
-                            <a:schemeClr val="bg2">
-                              <a:lumMod val="90000"/>
-                              <a:lumOff val="10000"/>
-                            </a:schemeClr>
-                          </a:solidFill>
-                          <a:latin typeface="Calibri" panose="020F0502020204030204" pitchFamily="34" charset="0"/>
-                          <a:ea typeface="Calibri" panose="020F0502020204030204" pitchFamily="34" charset="0"/>
-                          <a:cs typeface="Calibri" panose="020F0502020204030204" pitchFamily="34" charset="0"/>
-                        </a:rPr>
-                        <a:t>qual apresenta o tempo médio de deslocamento em determinados grupos de cidades e também população, independente do meio de transporte.</a:t>
+                        <a:t> uma base pública do IBGE sem dados sensíveis, a qual apresenta o tempo médio de deslocamento em determinados grupos de cidades e também população, independente do meio de transporte.</a:t>
                       </a:r>
                       <a:endParaRPr lang="pt-BR" dirty="0" smtClean="0">
                         <a:solidFill>
